--- a/מצגות/L1.pptx
+++ b/מצגות/L1.pptx
@@ -147,7 +147,7 @@
   <pc:docChgLst>
     <pc:chgData name="אלכס גורבצ'וב" userId="8459a7c7-b354-45d8-a56f-77640536e27f" providerId="ADAL" clId="{D2A45F97-39ED-4E0C-B0D4-86CA8FFE3DEC}"/>
     <pc:docChg chg="undo redo custSel addSld delSld modSld sldOrd">
-      <pc:chgData name="אלכס גורבצ'וב" userId="8459a7c7-b354-45d8-a56f-77640536e27f" providerId="ADAL" clId="{D2A45F97-39ED-4E0C-B0D4-86CA8FFE3DEC}" dt="2022-03-07T13:31:14.189" v="340" actId="27636"/>
+      <pc:chgData name="אלכס גורבצ'וב" userId="8459a7c7-b354-45d8-a56f-77640536e27f" providerId="ADAL" clId="{D2A45F97-39ED-4E0C-B0D4-86CA8FFE3DEC}" dt="2022-03-07T14:01:56.233" v="377" actId="1076"/>
       <pc:docMkLst>
         <pc:docMk/>
       </pc:docMkLst>
@@ -227,13 +227,13 @@
         </pc:picChg>
       </pc:sldChg>
       <pc:sldChg chg="modSp mod modClrScheme chgLayout">
-        <pc:chgData name="אלכס גורבצ'וב" userId="8459a7c7-b354-45d8-a56f-77640536e27f" providerId="ADAL" clId="{D2A45F97-39ED-4E0C-B0D4-86CA8FFE3DEC}" dt="2022-03-07T11:54:19.955" v="22" actId="14100"/>
+        <pc:chgData name="אלכס גורבצ'וב" userId="8459a7c7-b354-45d8-a56f-77640536e27f" providerId="ADAL" clId="{D2A45F97-39ED-4E0C-B0D4-86CA8FFE3DEC}" dt="2022-03-07T14:01:56.233" v="377" actId="1076"/>
         <pc:sldMkLst>
           <pc:docMk/>
           <pc:sldMk cId="4285847947" sldId="375"/>
         </pc:sldMkLst>
         <pc:spChg chg="mod">
-          <ac:chgData name="אלכס גורבצ'וב" userId="8459a7c7-b354-45d8-a56f-77640536e27f" providerId="ADAL" clId="{D2A45F97-39ED-4E0C-B0D4-86CA8FFE3DEC}" dt="2022-03-07T11:53:56.103" v="17" actId="782"/>
+          <ac:chgData name="אלכס גורבצ'וב" userId="8459a7c7-b354-45d8-a56f-77640536e27f" providerId="ADAL" clId="{D2A45F97-39ED-4E0C-B0D4-86CA8FFE3DEC}" dt="2022-03-07T14:01:56.233" v="377" actId="1076"/>
           <ac:spMkLst>
             <pc:docMk/>
             <pc:sldMk cId="4285847947" sldId="375"/>
@@ -241,7 +241,7 @@
           </ac:spMkLst>
         </pc:spChg>
         <pc:spChg chg="mod ord">
-          <ac:chgData name="אלכס גורבצ'וב" userId="8459a7c7-b354-45d8-a56f-77640536e27f" providerId="ADAL" clId="{D2A45F97-39ED-4E0C-B0D4-86CA8FFE3DEC}" dt="2022-03-07T11:53:58.462" v="18" actId="782"/>
+          <ac:chgData name="אלכס גורבצ'וב" userId="8459a7c7-b354-45d8-a56f-77640536e27f" providerId="ADAL" clId="{D2A45F97-39ED-4E0C-B0D4-86CA8FFE3DEC}" dt="2022-03-07T14:01:56.233" v="377" actId="1076"/>
           <ac:spMkLst>
             <pc:docMk/>
             <pc:sldMk cId="4285847947" sldId="375"/>
@@ -249,7 +249,7 @@
           </ac:spMkLst>
         </pc:spChg>
         <pc:picChg chg="mod">
-          <ac:chgData name="אלכס גורבצ'וב" userId="8459a7c7-b354-45d8-a56f-77640536e27f" providerId="ADAL" clId="{D2A45F97-39ED-4E0C-B0D4-86CA8FFE3DEC}" dt="2022-03-07T11:54:19.955" v="22" actId="14100"/>
+          <ac:chgData name="אלכס גורבצ'וב" userId="8459a7c7-b354-45d8-a56f-77640536e27f" providerId="ADAL" clId="{D2A45F97-39ED-4E0C-B0D4-86CA8FFE3DEC}" dt="2022-03-07T14:01:21.913" v="375" actId="14100"/>
           <ac:picMkLst>
             <pc:docMk/>
             <pc:sldMk cId="4285847947" sldId="375"/>
@@ -20440,12 +20440,13 @@
         </p:nvPicPr>
         <p:blipFill>
           <a:blip r:embed="rId2"/>
+          <a:srcRect/>
           <a:stretch/>
         </p:blipFill>
         <p:spPr>
           <a:xfrm>
-            <a:off x="68366" y="28411"/>
-            <a:ext cx="12123634" cy="4535043"/>
+            <a:off x="-76912" y="0"/>
+            <a:ext cx="12261973" cy="7336223"/>
           </a:xfrm>
           <a:prstGeom prst="rect">
             <a:avLst/>
@@ -20470,20 +20471,33 @@
         </p:nvSpPr>
         <p:spPr>
           <a:xfrm>
-            <a:off x="1524000" y="5286196"/>
+            <a:off x="7215500" y="3078810"/>
             <a:ext cx="4179375" cy="356462"/>
           </a:xfrm>
-        </p:spPr>
-        <p:txBody>
-          <a:bodyPr/>
+          <a:solidFill>
+            <a:schemeClr val="accent3"/>
+          </a:solidFill>
+          <a:ln>
+            <a:noFill/>
+          </a:ln>
+        </p:spPr>
+        <p:txBody>
+          <a:bodyPr>
+            <a:noAutofit/>
+          </a:bodyPr>
           <a:lstStyle/>
           <a:p>
             <a:pPr algn="r" rtl="1"/>
             <a:r>
-              <a:rPr lang="he-IL" dirty="0"/>
+              <a:rPr lang="he-IL" sz="2000" dirty="0">
+                <a:latin typeface="Guttman Myamfix" panose="02010409010101010101" pitchFamily="49" charset="-79"/>
+                <a:cs typeface="Guttman Myamfix" panose="02010409010101010101" pitchFamily="49" charset="-79"/>
+              </a:rPr>
               <a:t>אלכס גורבצ'וב</a:t>
             </a:r>
-            <a:endParaRPr lang="id-ID" dirty="0"/>
+            <a:endParaRPr lang="id-ID" sz="2000" dirty="0">
+              <a:cs typeface="Guttman Myamfix" panose="02010409010101010101" pitchFamily="49" charset="-79"/>
+            </a:endParaRPr>
           </a:p>
         </p:txBody>
       </p:sp>
@@ -20505,20 +20519,33 @@
         </p:nvSpPr>
         <p:spPr>
           <a:xfrm>
-            <a:off x="1524000" y="2715790"/>
-            <a:ext cx="4179376" cy="2387600"/>
-          </a:xfrm>
-        </p:spPr>
-        <p:txBody>
-          <a:bodyPr/>
+            <a:off x="7215499" y="2359413"/>
+            <a:ext cx="4179376" cy="719397"/>
+          </a:xfrm>
+          <a:solidFill>
+            <a:schemeClr val="accent3"/>
+          </a:solidFill>
+          <a:ln>
+            <a:noFill/>
+          </a:ln>
+        </p:spPr>
+        <p:txBody>
+          <a:bodyPr>
+            <a:normAutofit/>
+          </a:bodyPr>
           <a:lstStyle/>
           <a:p>
             <a:pPr algn="r" rtl="1"/>
             <a:r>
-              <a:rPr lang="he-IL" dirty="0"/>
+              <a:rPr lang="he-IL" sz="4400" dirty="0">
+                <a:latin typeface="Guttman Myamfix" panose="02010409010101010101" pitchFamily="49" charset="-79"/>
+                <a:cs typeface="Guttman Myamfix" panose="02010409010101010101" pitchFamily="49" charset="-79"/>
+              </a:rPr>
               <a:t>בניית אתרים</a:t>
             </a:r>
-            <a:endParaRPr lang="en-US" dirty="0"/>
+            <a:endParaRPr lang="en-US" sz="4400" dirty="0">
+              <a:cs typeface="Guttman Myamfix" panose="02010409010101010101" pitchFamily="49" charset="-79"/>
+            </a:endParaRPr>
           </a:p>
         </p:txBody>
       </p:sp>
